--- a/content/talk/2021-09-30-git-sem-prog/figs/novas.pptx
+++ b/content/talk/2021-09-30-git-sem-prog/figs/novas.pptx
@@ -120,7 +120,7 @@
 <file path=ppt/revisionInfo.xml><?xml version="1.0" encoding="utf-8"?>
 <p1510:revInfo xmlns:a="http://schemas.openxmlformats.org/drawingml/2006/main" xmlns:r="http://schemas.openxmlformats.org/officeDocument/2006/relationships" xmlns:p1510="http://schemas.microsoft.com/office/powerpoint/2015/10/main">
   <p1510:revLst>
-    <p1510:client id="{7802216B-5048-4FC0-A72C-35D8FE2226F4}" v="60" dt="2021-10-01T22:39:30"/>
+    <p1510:client id="{7802216B-5048-4FC0-A72C-35D8FE2226F4}" v="63" dt="2021-10-02T16:40:06.566"/>
   </p1510:revLst>
 </p1510:revInfo>
 </file>
@@ -130,16 +130,40 @@
   <pc:docChgLst>
     <pc:chgData name="Marília Melo Favalesso" userId="748e014a72d91fa1" providerId="LiveId" clId="{7802216B-5048-4FC0-A72C-35D8FE2226F4}"/>
     <pc:docChg chg="undo redo custSel addSld delSld modSld">
-      <pc:chgData name="Marília Melo Favalesso" userId="748e014a72d91fa1" providerId="LiveId" clId="{7802216B-5048-4FC0-A72C-35D8FE2226F4}" dt="2021-10-01T22:39:30.851" v="224" actId="1076"/>
+      <pc:chgData name="Marília Melo Favalesso" userId="748e014a72d91fa1" providerId="LiveId" clId="{7802216B-5048-4FC0-A72C-35D8FE2226F4}" dt="2021-10-02T16:40:17.074" v="296" actId="1076"/>
       <pc:docMkLst>
         <pc:docMk/>
       </pc:docMkLst>
       <pc:sldChg chg="addSp delSp modSp mod">
-        <pc:chgData name="Marília Melo Favalesso" userId="748e014a72d91fa1" providerId="LiveId" clId="{7802216B-5048-4FC0-A72C-35D8FE2226F4}" dt="2021-09-30T20:49:02.570" v="197" actId="1035"/>
+        <pc:chgData name="Marília Melo Favalesso" userId="748e014a72d91fa1" providerId="LiveId" clId="{7802216B-5048-4FC0-A72C-35D8FE2226F4}" dt="2021-10-02T16:40:17.074" v="296" actId="1076"/>
         <pc:sldMkLst>
           <pc:docMk/>
           <pc:sldMk cId="1172042798" sldId="271"/>
         </pc:sldMkLst>
+        <pc:spChg chg="add del">
+          <ac:chgData name="Marília Melo Favalesso" userId="748e014a72d91fa1" providerId="LiveId" clId="{7802216B-5048-4FC0-A72C-35D8FE2226F4}" dt="2021-10-02T16:39:15.106" v="271" actId="478"/>
+          <ac:spMkLst>
+            <pc:docMk/>
+            <pc:sldMk cId="1172042798" sldId="271"/>
+            <ac:spMk id="2" creationId="{C461EEDD-C1CA-4B9A-8727-4571CD022A4D}"/>
+          </ac:spMkLst>
+        </pc:spChg>
+        <pc:spChg chg="add del">
+          <ac:chgData name="Marília Melo Favalesso" userId="748e014a72d91fa1" providerId="LiveId" clId="{7802216B-5048-4FC0-A72C-35D8FE2226F4}" dt="2021-10-02T16:39:26.537" v="273" actId="478"/>
+          <ac:spMkLst>
+            <pc:docMk/>
+            <pc:sldMk cId="1172042798" sldId="271"/>
+            <ac:spMk id="3" creationId="{4E85B94C-D549-4A22-BD32-5AF33F736839}"/>
+          </ac:spMkLst>
+        </pc:spChg>
+        <pc:spChg chg="add mod">
+          <ac:chgData name="Marília Melo Favalesso" userId="748e014a72d91fa1" providerId="LiveId" clId="{7802216B-5048-4FC0-A72C-35D8FE2226F4}" dt="2021-10-02T16:40:05.394" v="293" actId="1076"/>
+          <ac:spMkLst>
+            <pc:docMk/>
+            <pc:sldMk cId="1172042798" sldId="271"/>
+            <ac:spMk id="6" creationId="{5058A9B1-1AD8-40AD-86B7-AD4059D0DB95}"/>
+          </ac:spMkLst>
+        </pc:spChg>
         <pc:spChg chg="mod">
           <ac:chgData name="Marília Melo Favalesso" userId="748e014a72d91fa1" providerId="LiveId" clId="{7802216B-5048-4FC0-A72C-35D8FE2226F4}" dt="2021-09-30T20:49:02.570" v="197" actId="1035"/>
           <ac:spMkLst>
@@ -276,6 +300,14 @@
             <ac:spMk id="75" creationId="{08873055-22F6-4E79-BCDE-DD1B6987179D}"/>
           </ac:spMkLst>
         </pc:spChg>
+        <pc:spChg chg="add del mod">
+          <ac:chgData name="Marília Melo Favalesso" userId="748e014a72d91fa1" providerId="LiveId" clId="{7802216B-5048-4FC0-A72C-35D8FE2226F4}" dt="2021-10-02T16:38:49.664" v="269" actId="478"/>
+          <ac:spMkLst>
+            <pc:docMk/>
+            <pc:sldMk cId="1172042798" sldId="271"/>
+            <ac:spMk id="76" creationId="{619E0D8A-6D91-4B37-BD6C-B5B80A31016D}"/>
+          </ac:spMkLst>
+        </pc:spChg>
         <pc:spChg chg="del mod">
           <ac:chgData name="Marília Melo Favalesso" userId="748e014a72d91fa1" providerId="LiveId" clId="{7802216B-5048-4FC0-A72C-35D8FE2226F4}" dt="2021-09-30T20:48:45.923" v="152" actId="478"/>
           <ac:spMkLst>
@@ -306,6 +338,14 @@
             <pc:docMk/>
             <pc:sldMk cId="1172042798" sldId="271"/>
             <ac:spMk id="79" creationId="{7E3E0332-EABF-43FE-803A-A4F8314E862A}"/>
+          </ac:spMkLst>
+        </pc:spChg>
+        <pc:spChg chg="add mod">
+          <ac:chgData name="Marília Melo Favalesso" userId="748e014a72d91fa1" providerId="LiveId" clId="{7802216B-5048-4FC0-A72C-35D8FE2226F4}" dt="2021-10-02T16:40:17.074" v="296" actId="1076"/>
+          <ac:spMkLst>
+            <pc:docMk/>
+            <pc:sldMk cId="1172042798" sldId="271"/>
+            <ac:spMk id="80" creationId="{CEFDB5EA-5FAC-4215-8D94-B2C60E7CDC1A}"/>
           </ac:spMkLst>
         </pc:spChg>
         <pc:spChg chg="mod topLvl">
@@ -373,7 +413,7 @@
           </ac:spMkLst>
         </pc:spChg>
         <pc:spChg chg="mod topLvl">
-          <ac:chgData name="Marília Melo Favalesso" userId="748e014a72d91fa1" providerId="LiveId" clId="{7802216B-5048-4FC0-A72C-35D8FE2226F4}" dt="2021-09-30T20:49:02.570" v="197" actId="1035"/>
+          <ac:chgData name="Marília Melo Favalesso" userId="748e014a72d91fa1" providerId="LiveId" clId="{7802216B-5048-4FC0-A72C-35D8FE2226F4}" dt="2021-10-02T16:38:47.652" v="268" actId="6549"/>
           <ac:spMkLst>
             <pc:docMk/>
             <pc:sldMk cId="1172042798" sldId="271"/>
@@ -405,7 +445,7 @@
           </ac:spMkLst>
         </pc:spChg>
         <pc:spChg chg="mod topLvl">
-          <ac:chgData name="Marília Melo Favalesso" userId="748e014a72d91fa1" providerId="LiveId" clId="{7802216B-5048-4FC0-A72C-35D8FE2226F4}" dt="2021-09-30T20:49:02.570" v="197" actId="1035"/>
+          <ac:chgData name="Marília Melo Favalesso" userId="748e014a72d91fa1" providerId="LiveId" clId="{7802216B-5048-4FC0-A72C-35D8FE2226F4}" dt="2021-10-02T16:38:19.781" v="260" actId="14100"/>
           <ac:spMkLst>
             <pc:docMk/>
             <pc:sldMk cId="1172042798" sldId="271"/>
@@ -445,7 +485,7 @@
           </ac:spMkLst>
         </pc:spChg>
         <pc:spChg chg="mod">
-          <ac:chgData name="Marília Melo Favalesso" userId="748e014a72d91fa1" providerId="LiveId" clId="{7802216B-5048-4FC0-A72C-35D8FE2226F4}" dt="2021-09-30T20:49:02.570" v="197" actId="1035"/>
+          <ac:chgData name="Marília Melo Favalesso" userId="748e014a72d91fa1" providerId="LiveId" clId="{7802216B-5048-4FC0-A72C-35D8FE2226F4}" dt="2021-10-02T16:38:04.944" v="240" actId="207"/>
           <ac:spMkLst>
             <pc:docMk/>
             <pc:sldMk cId="1172042798" sldId="271"/>
@@ -453,7 +493,7 @@
           </ac:spMkLst>
         </pc:spChg>
         <pc:spChg chg="mod">
-          <ac:chgData name="Marília Melo Favalesso" userId="748e014a72d91fa1" providerId="LiveId" clId="{7802216B-5048-4FC0-A72C-35D8FE2226F4}" dt="2021-09-30T20:49:02.570" v="197" actId="1035"/>
+          <ac:chgData name="Marília Melo Favalesso" userId="748e014a72d91fa1" providerId="LiveId" clId="{7802216B-5048-4FC0-A72C-35D8FE2226F4}" dt="2021-10-02T16:37:30.463" v="229" actId="207"/>
           <ac:spMkLst>
             <pc:docMk/>
             <pc:sldMk cId="1172042798" sldId="271"/>
@@ -509,7 +549,7 @@
           </ac:spMkLst>
         </pc:spChg>
         <pc:spChg chg="add mod">
-          <ac:chgData name="Marília Melo Favalesso" userId="748e014a72d91fa1" providerId="LiveId" clId="{7802216B-5048-4FC0-A72C-35D8FE2226F4}" dt="2021-09-30T20:49:02.570" v="197" actId="1035"/>
+          <ac:chgData name="Marília Melo Favalesso" userId="748e014a72d91fa1" providerId="LiveId" clId="{7802216B-5048-4FC0-A72C-35D8FE2226F4}" dt="2021-10-02T16:38:04.544" v="239" actId="207"/>
           <ac:spMkLst>
             <pc:docMk/>
             <pc:sldMk cId="1172042798" sldId="271"/>
@@ -644,16 +684,16 @@
             <ac:picMk id="46" creationId="{A47D5035-EEF3-4B91-80B5-5ABC6DB0F2E9}"/>
           </ac:picMkLst>
         </pc:picChg>
-        <pc:picChg chg="add mod">
-          <ac:chgData name="Marília Melo Favalesso" userId="748e014a72d91fa1" providerId="LiveId" clId="{7802216B-5048-4FC0-A72C-35D8FE2226F4}" dt="2021-09-30T20:49:02.570" v="197" actId="1035"/>
+        <pc:picChg chg="add del mod">
+          <ac:chgData name="Marília Melo Favalesso" userId="748e014a72d91fa1" providerId="LiveId" clId="{7802216B-5048-4FC0-A72C-35D8FE2226F4}" dt="2021-10-02T16:37:51.357" v="234" actId="478"/>
           <ac:picMkLst>
             <pc:docMk/>
             <pc:sldMk cId="1172042798" sldId="271"/>
             <ac:picMk id="120" creationId="{29B1C86C-99C4-45F0-B8D6-D663FDFFE376}"/>
           </ac:picMkLst>
         </pc:picChg>
-        <pc:picChg chg="add mod">
-          <ac:chgData name="Marília Melo Favalesso" userId="748e014a72d91fa1" providerId="LiveId" clId="{7802216B-5048-4FC0-A72C-35D8FE2226F4}" dt="2021-09-30T20:49:02.570" v="197" actId="1035"/>
+        <pc:picChg chg="add del mod">
+          <ac:chgData name="Marília Melo Favalesso" userId="748e014a72d91fa1" providerId="LiveId" clId="{7802216B-5048-4FC0-A72C-35D8FE2226F4}" dt="2021-10-02T16:37:52.760" v="236" actId="1076"/>
           <ac:picMkLst>
             <pc:docMk/>
             <pc:sldMk cId="1172042798" sldId="271"/>
@@ -976,7 +1016,7 @@
           <a:p>
             <a:fld id="{19C9866F-B102-475F-BDD0-1201FA851720}" type="datetimeFigureOut">
               <a:rPr lang="es-AR" smtClean="0"/>
-              <a:t>1/10/2021</a:t>
+              <a:t>2/10/2021</a:t>
             </a:fld>
             <a:endParaRPr lang="es-AR"/>
           </a:p>
@@ -1567,7 +1607,7 @@
           <a:p>
             <a:fld id="{EB030A81-FDE1-4E64-83AA-6F30F348B924}" type="datetimeFigureOut">
               <a:rPr lang="es-AR" smtClean="0"/>
-              <a:t>1/10/2021</a:t>
+              <a:t>2/10/2021</a:t>
             </a:fld>
             <a:endParaRPr lang="es-AR"/>
           </a:p>
@@ -1767,7 +1807,7 @@
           <a:p>
             <a:fld id="{EB030A81-FDE1-4E64-83AA-6F30F348B924}" type="datetimeFigureOut">
               <a:rPr lang="es-AR" smtClean="0"/>
-              <a:t>1/10/2021</a:t>
+              <a:t>2/10/2021</a:t>
             </a:fld>
             <a:endParaRPr lang="es-AR"/>
           </a:p>
@@ -1977,7 +2017,7 @@
           <a:p>
             <a:fld id="{EB030A81-FDE1-4E64-83AA-6F30F348B924}" type="datetimeFigureOut">
               <a:rPr lang="es-AR" smtClean="0"/>
-              <a:t>1/10/2021</a:t>
+              <a:t>2/10/2021</a:t>
             </a:fld>
             <a:endParaRPr lang="es-AR"/>
           </a:p>
@@ -2177,7 +2217,7 @@
           <a:p>
             <a:fld id="{EB030A81-FDE1-4E64-83AA-6F30F348B924}" type="datetimeFigureOut">
               <a:rPr lang="es-AR" smtClean="0"/>
-              <a:t>1/10/2021</a:t>
+              <a:t>2/10/2021</a:t>
             </a:fld>
             <a:endParaRPr lang="es-AR"/>
           </a:p>
@@ -2453,7 +2493,7 @@
           <a:p>
             <a:fld id="{EB030A81-FDE1-4E64-83AA-6F30F348B924}" type="datetimeFigureOut">
               <a:rPr lang="es-AR" smtClean="0"/>
-              <a:t>1/10/2021</a:t>
+              <a:t>2/10/2021</a:t>
             </a:fld>
             <a:endParaRPr lang="es-AR"/>
           </a:p>
@@ -2721,7 +2761,7 @@
           <a:p>
             <a:fld id="{EB030A81-FDE1-4E64-83AA-6F30F348B924}" type="datetimeFigureOut">
               <a:rPr lang="es-AR" smtClean="0"/>
-              <a:t>1/10/2021</a:t>
+              <a:t>2/10/2021</a:t>
             </a:fld>
             <a:endParaRPr lang="es-AR"/>
           </a:p>
@@ -3136,7 +3176,7 @@
           <a:p>
             <a:fld id="{EB030A81-FDE1-4E64-83AA-6F30F348B924}" type="datetimeFigureOut">
               <a:rPr lang="es-AR" smtClean="0"/>
-              <a:t>1/10/2021</a:t>
+              <a:t>2/10/2021</a:t>
             </a:fld>
             <a:endParaRPr lang="es-AR"/>
           </a:p>
@@ -3278,7 +3318,7 @@
           <a:p>
             <a:fld id="{EB030A81-FDE1-4E64-83AA-6F30F348B924}" type="datetimeFigureOut">
               <a:rPr lang="es-AR" smtClean="0"/>
-              <a:t>1/10/2021</a:t>
+              <a:t>2/10/2021</a:t>
             </a:fld>
             <a:endParaRPr lang="es-AR"/>
           </a:p>
@@ -3391,7 +3431,7 @@
           <a:p>
             <a:fld id="{EB030A81-FDE1-4E64-83AA-6F30F348B924}" type="datetimeFigureOut">
               <a:rPr lang="es-AR" smtClean="0"/>
-              <a:t>1/10/2021</a:t>
+              <a:t>2/10/2021</a:t>
             </a:fld>
             <a:endParaRPr lang="es-AR"/>
           </a:p>
@@ -3704,7 +3744,7 @@
           <a:p>
             <a:fld id="{EB030A81-FDE1-4E64-83AA-6F30F348B924}" type="datetimeFigureOut">
               <a:rPr lang="es-AR" smtClean="0"/>
-              <a:t>1/10/2021</a:t>
+              <a:t>2/10/2021</a:t>
             </a:fld>
             <a:endParaRPr lang="es-AR"/>
           </a:p>
@@ -3993,7 +4033,7 @@
           <a:p>
             <a:fld id="{EB030A81-FDE1-4E64-83AA-6F30F348B924}" type="datetimeFigureOut">
               <a:rPr lang="es-AR" smtClean="0"/>
-              <a:t>1/10/2021</a:t>
+              <a:t>2/10/2021</a:t>
             </a:fld>
             <a:endParaRPr lang="es-AR"/>
           </a:p>
@@ -4236,7 +4276,7 @@
           <a:p>
             <a:fld id="{EB030A81-FDE1-4E64-83AA-6F30F348B924}" type="datetimeFigureOut">
               <a:rPr lang="es-AR" smtClean="0"/>
-              <a:t>1/10/2021</a:t>
+              <a:t>2/10/2021</a:t>
             </a:fld>
             <a:endParaRPr lang="es-AR"/>
           </a:p>
@@ -6870,8 +6910,8 @@
         </p:nvSpPr>
         <p:spPr>
           <a:xfrm>
-            <a:off x="394485" y="4578482"/>
-            <a:ext cx="7279582" cy="1143458"/>
+            <a:off x="394484" y="4578482"/>
+            <a:ext cx="7602017" cy="1143458"/>
           </a:xfrm>
           <a:prstGeom prst="rect">
             <a:avLst/>
@@ -7156,7 +7196,7 @@
           <a:lstStyle/>
           <a:p>
             <a:pPr algn="ctr"/>
-            <a:endParaRPr lang="pt-BR"/>
+            <a:endParaRPr lang="pt-BR" dirty="0"/>
           </a:p>
         </p:txBody>
       </p:sp>
@@ -8071,6 +8111,86 @@
           <a:p>
             <a:pPr algn="ctr"/>
             <a:endParaRPr lang="pt-BR"/>
+          </a:p>
+        </p:txBody>
+      </p:sp>
+      <p:sp>
+        <p:nvSpPr>
+          <p:cNvPr id="6" name="CaixaDeTexto 5">
+            <a:extLst>
+              <a:ext uri="{FF2B5EF4-FFF2-40B4-BE49-F238E27FC236}">
+                <a16:creationId xmlns:a16="http://schemas.microsoft.com/office/drawing/2014/main" id="{5058A9B1-1AD8-40AD-86B7-AD4059D0DB95}"/>
+              </a:ext>
+            </a:extLst>
+          </p:cNvPr>
+          <p:cNvSpPr txBox="1"/>
+          <p:nvPr/>
+        </p:nvSpPr>
+        <p:spPr>
+          <a:xfrm>
+            <a:off x="6437262" y="2429500"/>
+            <a:ext cx="322524" cy="369332"/>
+          </a:xfrm>
+          <a:prstGeom prst="rect">
+            <a:avLst/>
+          </a:prstGeom>
+          <a:noFill/>
+        </p:spPr>
+        <p:txBody>
+          <a:bodyPr wrap="none" rtlCol="0">
+            <a:spAutoFit/>
+          </a:bodyPr>
+          <a:lstStyle/>
+          <a:p>
+            <a:r>
+              <a:rPr lang="pt-BR" dirty="0">
+                <a:latin typeface="The Hand Black" panose="03070902030502020204" pitchFamily="66" charset="0"/>
+              </a:rPr>
+              <a:t>PR</a:t>
+            </a:r>
+            <a:endParaRPr lang="es-AR" dirty="0">
+              <a:latin typeface="The Hand Black" panose="03070902030502020204" pitchFamily="66" charset="0"/>
+            </a:endParaRPr>
+          </a:p>
+        </p:txBody>
+      </p:sp>
+      <p:sp>
+        <p:nvSpPr>
+          <p:cNvPr id="80" name="CaixaDeTexto 79">
+            <a:extLst>
+              <a:ext uri="{FF2B5EF4-FFF2-40B4-BE49-F238E27FC236}">
+                <a16:creationId xmlns:a16="http://schemas.microsoft.com/office/drawing/2014/main" id="{CEFDB5EA-5FAC-4215-8D94-B2C60E7CDC1A}"/>
+              </a:ext>
+            </a:extLst>
+          </p:cNvPr>
+          <p:cNvSpPr txBox="1"/>
+          <p:nvPr/>
+        </p:nvSpPr>
+        <p:spPr>
+          <a:xfrm>
+            <a:off x="10882975" y="2438869"/>
+            <a:ext cx="322524" cy="369332"/>
+          </a:xfrm>
+          <a:prstGeom prst="rect">
+            <a:avLst/>
+          </a:prstGeom>
+          <a:noFill/>
+        </p:spPr>
+        <p:txBody>
+          <a:bodyPr wrap="none" rtlCol="0">
+            <a:spAutoFit/>
+          </a:bodyPr>
+          <a:lstStyle/>
+          <a:p>
+            <a:r>
+              <a:rPr lang="pt-BR" dirty="0">
+                <a:latin typeface="The Hand Black" panose="03070902030502020204" pitchFamily="66" charset="0"/>
+              </a:rPr>
+              <a:t>PR</a:t>
+            </a:r>
+            <a:endParaRPr lang="es-AR" dirty="0">
+              <a:latin typeface="The Hand Black" panose="03070902030502020204" pitchFamily="66" charset="0"/>
+            </a:endParaRPr>
           </a:p>
         </p:txBody>
       </p:sp>
